--- a/Slides/Basketball 1/Basketball_1_Lecture.pptx
+++ b/Slides/Basketball 1/Basketball_1_Lecture.pptx
@@ -223,7 +223,7 @@
           <a:p>
             <a:fld id="{C04E5E84-956F-4423-97B3-5936A6D8EEEE}" type="datetimeFigureOut">
               <a:rPr lang="en-US" smtClean="0"/>
-              <a:t>10/1/2019</a:t>
+              <a:t>2/25/2021</a:t>
             </a:fld>
             <a:endParaRPr lang="en-US"/>
           </a:p>
@@ -684,7 +684,7 @@
           <a:p>
             <a:fld id="{3881C039-66A3-4640-815B-3B5A8B7D868D}" type="datetimeFigureOut">
               <a:rPr lang="en-US" smtClean="0"/>
-              <a:t>10/1/2019</a:t>
+              <a:t>2/25/2021</a:t>
             </a:fld>
             <a:endParaRPr lang="en-US"/>
           </a:p>
@@ -854,7 +854,7 @@
           <a:p>
             <a:fld id="{3881C039-66A3-4640-815B-3B5A8B7D868D}" type="datetimeFigureOut">
               <a:rPr lang="en-US" smtClean="0"/>
-              <a:t>10/1/2019</a:t>
+              <a:t>2/25/2021</a:t>
             </a:fld>
             <a:endParaRPr lang="en-US"/>
           </a:p>
@@ -1075,7 +1075,7 @@
           <a:p>
             <a:fld id="{3881C039-66A3-4640-815B-3B5A8B7D868D}" type="datetimeFigureOut">
               <a:rPr lang="en-US" smtClean="0"/>
-              <a:t>10/1/2019</a:t>
+              <a:t>2/25/2021</a:t>
             </a:fld>
             <a:endParaRPr lang="en-US"/>
           </a:p>
@@ -1286,7 +1286,7 @@
           <a:p>
             <a:fld id="{3881C039-66A3-4640-815B-3B5A8B7D868D}" type="datetimeFigureOut">
               <a:rPr lang="en-US" smtClean="0"/>
-              <a:t>10/1/2019</a:t>
+              <a:t>2/25/2021</a:t>
             </a:fld>
             <a:endParaRPr lang="en-US"/>
           </a:p>
@@ -1581,7 +1581,7 @@
           <a:p>
             <a:fld id="{3881C039-66A3-4640-815B-3B5A8B7D868D}" type="datetimeFigureOut">
               <a:rPr lang="en-US" smtClean="0"/>
-              <a:t>10/1/2019</a:t>
+              <a:t>2/25/2021</a:t>
             </a:fld>
             <a:endParaRPr lang="en-US"/>
           </a:p>
@@ -1910,7 +1910,7 @@
           <a:p>
             <a:fld id="{3881C039-66A3-4640-815B-3B5A8B7D868D}" type="datetimeFigureOut">
               <a:rPr lang="en-US" smtClean="0"/>
-              <a:t>10/1/2019</a:t>
+              <a:t>2/25/2021</a:t>
             </a:fld>
             <a:endParaRPr lang="en-US"/>
           </a:p>
@@ -2402,7 +2402,7 @@
           <a:p>
             <a:fld id="{3881C039-66A3-4640-815B-3B5A8B7D868D}" type="datetimeFigureOut">
               <a:rPr lang="en-US" smtClean="0"/>
-              <a:t>10/1/2019</a:t>
+              <a:t>2/25/2021</a:t>
             </a:fld>
             <a:endParaRPr lang="en-US"/>
           </a:p>
@@ -2561,7 +2561,7 @@
           <a:p>
             <a:fld id="{3881C039-66A3-4640-815B-3B5A8B7D868D}" type="datetimeFigureOut">
               <a:rPr lang="en-US" smtClean="0"/>
-              <a:t>10/1/2019</a:t>
+              <a:t>2/25/2021</a:t>
             </a:fld>
             <a:endParaRPr lang="en-US"/>
           </a:p>
@@ -2697,7 +2697,7 @@
           <a:p>
             <a:fld id="{3881C039-66A3-4640-815B-3B5A8B7D868D}" type="datetimeFigureOut">
               <a:rPr lang="en-US" smtClean="0"/>
-              <a:t>10/1/2019</a:t>
+              <a:t>2/25/2021</a:t>
             </a:fld>
             <a:endParaRPr lang="en-US"/>
           </a:p>
@@ -3025,7 +3025,7 @@
           <a:p>
             <a:fld id="{3881C039-66A3-4640-815B-3B5A8B7D868D}" type="datetimeFigureOut">
               <a:rPr lang="en-US" smtClean="0"/>
-              <a:t>10/1/2019</a:t>
+              <a:t>2/25/2021</a:t>
             </a:fld>
             <a:endParaRPr lang="en-US"/>
           </a:p>
@@ -3340,7 +3340,7 @@
           <a:p>
             <a:fld id="{3881C039-66A3-4640-815B-3B5A8B7D868D}" type="datetimeFigureOut">
               <a:rPr lang="en-US" smtClean="0"/>
-              <a:t>10/1/2019</a:t>
+              <a:t>2/25/2021</a:t>
             </a:fld>
             <a:endParaRPr lang="en-US"/>
           </a:p>
@@ -3592,7 +3592,7 @@
           <a:p>
             <a:fld id="{3881C039-66A3-4640-815B-3B5A8B7D868D}" type="datetimeFigureOut">
               <a:rPr lang="en-US" smtClean="0"/>
-              <a:t>10/1/2019</a:t>
+              <a:t>2/25/2021</a:t>
             </a:fld>
             <a:endParaRPr lang="en-US"/>
           </a:p>
@@ -4208,8 +4208,17 @@
               <a:rPr lang="en-US" dirty="0">
                 <a:latin typeface="Selawik Semibold" panose="020B0702040204020203" pitchFamily="34" charset="0"/>
               </a:rPr>
-              <a:t>UNC STOR 390</a:t>
+              <a:t>UNC </a:t>
             </a:r>
+            <a:r>
+              <a:rPr lang="en-US">
+                <a:latin typeface="Selawik Semibold" panose="020B0702040204020203" pitchFamily="34" charset="0"/>
+              </a:rPr>
+              <a:t>STOR 538</a:t>
+            </a:r>
+            <a:endParaRPr lang="en-US" dirty="0">
+              <a:latin typeface="Selawik Semibold" panose="020B0702040204020203" pitchFamily="34" charset="0"/>
+            </a:endParaRPr>
           </a:p>
         </p:txBody>
       </p:sp>

--- a/Slides/Basketball 1/Basketball_1_Lecture.pptx
+++ b/Slides/Basketball 1/Basketball_1_Lecture.pptx
@@ -223,7 +223,7 @@
           <a:p>
             <a:fld id="{C04E5E84-956F-4423-97B3-5936A6D8EEEE}" type="datetimeFigureOut">
               <a:rPr lang="en-US" smtClean="0"/>
-              <a:t>2/25/2021</a:t>
+              <a:t>9/22/2021</a:t>
             </a:fld>
             <a:endParaRPr lang="en-US"/>
           </a:p>
@@ -684,7 +684,7 @@
           <a:p>
             <a:fld id="{3881C039-66A3-4640-815B-3B5A8B7D868D}" type="datetimeFigureOut">
               <a:rPr lang="en-US" smtClean="0"/>
-              <a:t>2/25/2021</a:t>
+              <a:t>9/22/2021</a:t>
             </a:fld>
             <a:endParaRPr lang="en-US"/>
           </a:p>
@@ -854,7 +854,7 @@
           <a:p>
             <a:fld id="{3881C039-66A3-4640-815B-3B5A8B7D868D}" type="datetimeFigureOut">
               <a:rPr lang="en-US" smtClean="0"/>
-              <a:t>2/25/2021</a:t>
+              <a:t>9/22/2021</a:t>
             </a:fld>
             <a:endParaRPr lang="en-US"/>
           </a:p>
@@ -1075,7 +1075,7 @@
           <a:p>
             <a:fld id="{3881C039-66A3-4640-815B-3B5A8B7D868D}" type="datetimeFigureOut">
               <a:rPr lang="en-US" smtClean="0"/>
-              <a:t>2/25/2021</a:t>
+              <a:t>9/22/2021</a:t>
             </a:fld>
             <a:endParaRPr lang="en-US"/>
           </a:p>
@@ -1286,7 +1286,7 @@
           <a:p>
             <a:fld id="{3881C039-66A3-4640-815B-3B5A8B7D868D}" type="datetimeFigureOut">
               <a:rPr lang="en-US" smtClean="0"/>
-              <a:t>2/25/2021</a:t>
+              <a:t>9/22/2021</a:t>
             </a:fld>
             <a:endParaRPr lang="en-US"/>
           </a:p>
@@ -1581,7 +1581,7 @@
           <a:p>
             <a:fld id="{3881C039-66A3-4640-815B-3B5A8B7D868D}" type="datetimeFigureOut">
               <a:rPr lang="en-US" smtClean="0"/>
-              <a:t>2/25/2021</a:t>
+              <a:t>9/22/2021</a:t>
             </a:fld>
             <a:endParaRPr lang="en-US"/>
           </a:p>
@@ -1910,7 +1910,7 @@
           <a:p>
             <a:fld id="{3881C039-66A3-4640-815B-3B5A8B7D868D}" type="datetimeFigureOut">
               <a:rPr lang="en-US" smtClean="0"/>
-              <a:t>2/25/2021</a:t>
+              <a:t>9/22/2021</a:t>
             </a:fld>
             <a:endParaRPr lang="en-US"/>
           </a:p>
@@ -2402,7 +2402,7 @@
           <a:p>
             <a:fld id="{3881C039-66A3-4640-815B-3B5A8B7D868D}" type="datetimeFigureOut">
               <a:rPr lang="en-US" smtClean="0"/>
-              <a:t>2/25/2021</a:t>
+              <a:t>9/22/2021</a:t>
             </a:fld>
             <a:endParaRPr lang="en-US"/>
           </a:p>
@@ -2561,7 +2561,7 @@
           <a:p>
             <a:fld id="{3881C039-66A3-4640-815B-3B5A8B7D868D}" type="datetimeFigureOut">
               <a:rPr lang="en-US" smtClean="0"/>
-              <a:t>2/25/2021</a:t>
+              <a:t>9/22/2021</a:t>
             </a:fld>
             <a:endParaRPr lang="en-US"/>
           </a:p>
@@ -2697,7 +2697,7 @@
           <a:p>
             <a:fld id="{3881C039-66A3-4640-815B-3B5A8B7D868D}" type="datetimeFigureOut">
               <a:rPr lang="en-US" smtClean="0"/>
-              <a:t>2/25/2021</a:t>
+              <a:t>9/22/2021</a:t>
             </a:fld>
             <a:endParaRPr lang="en-US"/>
           </a:p>
@@ -3025,7 +3025,7 @@
           <a:p>
             <a:fld id="{3881C039-66A3-4640-815B-3B5A8B7D868D}" type="datetimeFigureOut">
               <a:rPr lang="en-US" smtClean="0"/>
-              <a:t>2/25/2021</a:t>
+              <a:t>9/22/2021</a:t>
             </a:fld>
             <a:endParaRPr lang="en-US"/>
           </a:p>
@@ -3340,7 +3340,7 @@
           <a:p>
             <a:fld id="{3881C039-66A3-4640-815B-3B5A8B7D868D}" type="datetimeFigureOut">
               <a:rPr lang="en-US" smtClean="0"/>
-              <a:t>2/25/2021</a:t>
+              <a:t>9/22/2021</a:t>
             </a:fld>
             <a:endParaRPr lang="en-US"/>
           </a:p>
@@ -3592,7 +3592,7 @@
           <a:p>
             <a:fld id="{3881C039-66A3-4640-815B-3B5A8B7D868D}" type="datetimeFigureOut">
               <a:rPr lang="en-US" smtClean="0"/>
-              <a:t>2/25/2021</a:t>
+              <a:t>9/22/2021</a:t>
             </a:fld>
             <a:endParaRPr lang="en-US"/>
           </a:p>
@@ -18933,7 +18933,7 @@
                 </a:solidFill>
                 <a:latin typeface="Selawik Semibold" panose="020B0702040204020203" pitchFamily="34" charset="0"/>
               </a:rPr>
-              <a:t>OREB% and TO%</a:t>
+              <a:t>OREB% and TO% (0.46)</a:t>
             </a:r>
           </a:p>
           <a:p>

--- a/Slides/Basketball 1/Basketball_1_Lecture.pptx
+++ b/Slides/Basketball 1/Basketball_1_Lecture.pptx
@@ -223,7 +223,7 @@
           <a:p>
             <a:fld id="{C04E5E84-956F-4423-97B3-5936A6D8EEEE}" type="datetimeFigureOut">
               <a:rPr lang="en-US" smtClean="0"/>
-              <a:t>9/22/2021</a:t>
+              <a:t>11/2/2021</a:t>
             </a:fld>
             <a:endParaRPr lang="en-US"/>
           </a:p>
@@ -684,7 +684,7 @@
           <a:p>
             <a:fld id="{3881C039-66A3-4640-815B-3B5A8B7D868D}" type="datetimeFigureOut">
               <a:rPr lang="en-US" smtClean="0"/>
-              <a:t>9/22/2021</a:t>
+              <a:t>11/2/2021</a:t>
             </a:fld>
             <a:endParaRPr lang="en-US"/>
           </a:p>
@@ -854,7 +854,7 @@
           <a:p>
             <a:fld id="{3881C039-66A3-4640-815B-3B5A8B7D868D}" type="datetimeFigureOut">
               <a:rPr lang="en-US" smtClean="0"/>
-              <a:t>9/22/2021</a:t>
+              <a:t>11/2/2021</a:t>
             </a:fld>
             <a:endParaRPr lang="en-US"/>
           </a:p>
@@ -1075,7 +1075,7 @@
           <a:p>
             <a:fld id="{3881C039-66A3-4640-815B-3B5A8B7D868D}" type="datetimeFigureOut">
               <a:rPr lang="en-US" smtClean="0"/>
-              <a:t>9/22/2021</a:t>
+              <a:t>11/2/2021</a:t>
             </a:fld>
             <a:endParaRPr lang="en-US"/>
           </a:p>
@@ -1286,7 +1286,7 @@
           <a:p>
             <a:fld id="{3881C039-66A3-4640-815B-3B5A8B7D868D}" type="datetimeFigureOut">
               <a:rPr lang="en-US" smtClean="0"/>
-              <a:t>9/22/2021</a:t>
+              <a:t>11/2/2021</a:t>
             </a:fld>
             <a:endParaRPr lang="en-US"/>
           </a:p>
@@ -1581,7 +1581,7 @@
           <a:p>
             <a:fld id="{3881C039-66A3-4640-815B-3B5A8B7D868D}" type="datetimeFigureOut">
               <a:rPr lang="en-US" smtClean="0"/>
-              <a:t>9/22/2021</a:t>
+              <a:t>11/2/2021</a:t>
             </a:fld>
             <a:endParaRPr lang="en-US"/>
           </a:p>
@@ -1910,7 +1910,7 @@
           <a:p>
             <a:fld id="{3881C039-66A3-4640-815B-3B5A8B7D868D}" type="datetimeFigureOut">
               <a:rPr lang="en-US" smtClean="0"/>
-              <a:t>9/22/2021</a:t>
+              <a:t>11/2/2021</a:t>
             </a:fld>
             <a:endParaRPr lang="en-US"/>
           </a:p>
@@ -2402,7 +2402,7 @@
           <a:p>
             <a:fld id="{3881C039-66A3-4640-815B-3B5A8B7D868D}" type="datetimeFigureOut">
               <a:rPr lang="en-US" smtClean="0"/>
-              <a:t>9/22/2021</a:t>
+              <a:t>11/2/2021</a:t>
             </a:fld>
             <a:endParaRPr lang="en-US"/>
           </a:p>
@@ -2561,7 +2561,7 @@
           <a:p>
             <a:fld id="{3881C039-66A3-4640-815B-3B5A8B7D868D}" type="datetimeFigureOut">
               <a:rPr lang="en-US" smtClean="0"/>
-              <a:t>9/22/2021</a:t>
+              <a:t>11/2/2021</a:t>
             </a:fld>
             <a:endParaRPr lang="en-US"/>
           </a:p>
@@ -2697,7 +2697,7 @@
           <a:p>
             <a:fld id="{3881C039-66A3-4640-815B-3B5A8B7D868D}" type="datetimeFigureOut">
               <a:rPr lang="en-US" smtClean="0"/>
-              <a:t>9/22/2021</a:t>
+              <a:t>11/2/2021</a:t>
             </a:fld>
             <a:endParaRPr lang="en-US"/>
           </a:p>
@@ -3025,7 +3025,7 @@
           <a:p>
             <a:fld id="{3881C039-66A3-4640-815B-3B5A8B7D868D}" type="datetimeFigureOut">
               <a:rPr lang="en-US" smtClean="0"/>
-              <a:t>9/22/2021</a:t>
+              <a:t>11/2/2021</a:t>
             </a:fld>
             <a:endParaRPr lang="en-US"/>
           </a:p>
@@ -3340,7 +3340,7 @@
           <a:p>
             <a:fld id="{3881C039-66A3-4640-815B-3B5A8B7D868D}" type="datetimeFigureOut">
               <a:rPr lang="en-US" smtClean="0"/>
-              <a:t>9/22/2021</a:t>
+              <a:t>11/2/2021</a:t>
             </a:fld>
             <a:endParaRPr lang="en-US"/>
           </a:p>
@@ -3592,7 +3592,7 @@
           <a:p>
             <a:fld id="{3881C039-66A3-4640-815B-3B5A8B7D868D}" type="datetimeFigureOut">
               <a:rPr lang="en-US" smtClean="0"/>
-              <a:t>9/22/2021</a:t>
+              <a:t>11/2/2021</a:t>
             </a:fld>
             <a:endParaRPr lang="en-US"/>
           </a:p>
@@ -12450,7 +12450,7 @@
                 </a:solidFill>
                 <a:latin typeface="Selawik Semibold" panose="020B0702040204020203" pitchFamily="34" charset="0"/>
               </a:rPr>
-              <a:t>Lakers: 1125%</a:t>
+              <a:t>Lakers: 112.5%</a:t>
             </a:r>
           </a:p>
           <a:p>

--- a/Slides/Basketball 1/Basketball_1_Lecture.pptx
+++ b/Slides/Basketball 1/Basketball_1_Lecture.pptx
@@ -223,7 +223,7 @@
           <a:p>
             <a:fld id="{C04E5E84-956F-4423-97B3-5936A6D8EEEE}" type="datetimeFigureOut">
               <a:rPr lang="en-US" smtClean="0"/>
-              <a:t>11/2/2021</a:t>
+              <a:t>2/15/2023</a:t>
             </a:fld>
             <a:endParaRPr lang="en-US"/>
           </a:p>
@@ -684,7 +684,7 @@
           <a:p>
             <a:fld id="{3881C039-66A3-4640-815B-3B5A8B7D868D}" type="datetimeFigureOut">
               <a:rPr lang="en-US" smtClean="0"/>
-              <a:t>11/2/2021</a:t>
+              <a:t>2/15/2023</a:t>
             </a:fld>
             <a:endParaRPr lang="en-US"/>
           </a:p>
@@ -854,7 +854,7 @@
           <a:p>
             <a:fld id="{3881C039-66A3-4640-815B-3B5A8B7D868D}" type="datetimeFigureOut">
               <a:rPr lang="en-US" smtClean="0"/>
-              <a:t>11/2/2021</a:t>
+              <a:t>2/15/2023</a:t>
             </a:fld>
             <a:endParaRPr lang="en-US"/>
           </a:p>
@@ -1075,7 +1075,7 @@
           <a:p>
             <a:fld id="{3881C039-66A3-4640-815B-3B5A8B7D868D}" type="datetimeFigureOut">
               <a:rPr lang="en-US" smtClean="0"/>
-              <a:t>11/2/2021</a:t>
+              <a:t>2/15/2023</a:t>
             </a:fld>
             <a:endParaRPr lang="en-US"/>
           </a:p>
@@ -1286,7 +1286,7 @@
           <a:p>
             <a:fld id="{3881C039-66A3-4640-815B-3B5A8B7D868D}" type="datetimeFigureOut">
               <a:rPr lang="en-US" smtClean="0"/>
-              <a:t>11/2/2021</a:t>
+              <a:t>2/15/2023</a:t>
             </a:fld>
             <a:endParaRPr lang="en-US"/>
           </a:p>
@@ -1581,7 +1581,7 @@
           <a:p>
             <a:fld id="{3881C039-66A3-4640-815B-3B5A8B7D868D}" type="datetimeFigureOut">
               <a:rPr lang="en-US" smtClean="0"/>
-              <a:t>11/2/2021</a:t>
+              <a:t>2/15/2023</a:t>
             </a:fld>
             <a:endParaRPr lang="en-US"/>
           </a:p>
@@ -1910,7 +1910,7 @@
           <a:p>
             <a:fld id="{3881C039-66A3-4640-815B-3B5A8B7D868D}" type="datetimeFigureOut">
               <a:rPr lang="en-US" smtClean="0"/>
-              <a:t>11/2/2021</a:t>
+              <a:t>2/15/2023</a:t>
             </a:fld>
             <a:endParaRPr lang="en-US"/>
           </a:p>
@@ -2402,7 +2402,7 @@
           <a:p>
             <a:fld id="{3881C039-66A3-4640-815B-3B5A8B7D868D}" type="datetimeFigureOut">
               <a:rPr lang="en-US" smtClean="0"/>
-              <a:t>11/2/2021</a:t>
+              <a:t>2/15/2023</a:t>
             </a:fld>
             <a:endParaRPr lang="en-US"/>
           </a:p>
@@ -2561,7 +2561,7 @@
           <a:p>
             <a:fld id="{3881C039-66A3-4640-815B-3B5A8B7D868D}" type="datetimeFigureOut">
               <a:rPr lang="en-US" smtClean="0"/>
-              <a:t>11/2/2021</a:t>
+              <a:t>2/15/2023</a:t>
             </a:fld>
             <a:endParaRPr lang="en-US"/>
           </a:p>
@@ -2697,7 +2697,7 @@
           <a:p>
             <a:fld id="{3881C039-66A3-4640-815B-3B5A8B7D868D}" type="datetimeFigureOut">
               <a:rPr lang="en-US" smtClean="0"/>
-              <a:t>11/2/2021</a:t>
+              <a:t>2/15/2023</a:t>
             </a:fld>
             <a:endParaRPr lang="en-US"/>
           </a:p>
@@ -3025,7 +3025,7 @@
           <a:p>
             <a:fld id="{3881C039-66A3-4640-815B-3B5A8B7D868D}" type="datetimeFigureOut">
               <a:rPr lang="en-US" smtClean="0"/>
-              <a:t>11/2/2021</a:t>
+              <a:t>2/15/2023</a:t>
             </a:fld>
             <a:endParaRPr lang="en-US"/>
           </a:p>
@@ -3340,7 +3340,7 @@
           <a:p>
             <a:fld id="{3881C039-66A3-4640-815B-3B5A8B7D868D}" type="datetimeFigureOut">
               <a:rPr lang="en-US" smtClean="0"/>
-              <a:t>11/2/2021</a:t>
+              <a:t>2/15/2023</a:t>
             </a:fld>
             <a:endParaRPr lang="en-US"/>
           </a:p>
@@ -3592,7 +3592,7 @@
           <a:p>
             <a:fld id="{3881C039-66A3-4640-815B-3B5A8B7D868D}" type="datetimeFigureOut">
               <a:rPr lang="en-US" smtClean="0"/>
-              <a:t>11/2/2021</a:t>
+              <a:t>2/15/2023</a:t>
             </a:fld>
             <a:endParaRPr lang="en-US"/>
           </a:p>

--- a/Slides/Basketball 1/Basketball_1_Lecture.pptx
+++ b/Slides/Basketball 1/Basketball_1_Lecture.pptx
@@ -223,7 +223,7 @@
           <a:p>
             <a:fld id="{C04E5E84-956F-4423-97B3-5936A6D8EEEE}" type="datetimeFigureOut">
               <a:rPr lang="en-US" smtClean="0"/>
-              <a:t>2/15/2023</a:t>
+              <a:t>2/19/2023</a:t>
             </a:fld>
             <a:endParaRPr lang="en-US"/>
           </a:p>
@@ -684,7 +684,7 @@
           <a:p>
             <a:fld id="{3881C039-66A3-4640-815B-3B5A8B7D868D}" type="datetimeFigureOut">
               <a:rPr lang="en-US" smtClean="0"/>
-              <a:t>2/15/2023</a:t>
+              <a:t>2/19/2023</a:t>
             </a:fld>
             <a:endParaRPr lang="en-US"/>
           </a:p>
@@ -854,7 +854,7 @@
           <a:p>
             <a:fld id="{3881C039-66A3-4640-815B-3B5A8B7D868D}" type="datetimeFigureOut">
               <a:rPr lang="en-US" smtClean="0"/>
-              <a:t>2/15/2023</a:t>
+              <a:t>2/19/2023</a:t>
             </a:fld>
             <a:endParaRPr lang="en-US"/>
           </a:p>
@@ -1075,7 +1075,7 @@
           <a:p>
             <a:fld id="{3881C039-66A3-4640-815B-3B5A8B7D868D}" type="datetimeFigureOut">
               <a:rPr lang="en-US" smtClean="0"/>
-              <a:t>2/15/2023</a:t>
+              <a:t>2/19/2023</a:t>
             </a:fld>
             <a:endParaRPr lang="en-US"/>
           </a:p>
@@ -1286,7 +1286,7 @@
           <a:p>
             <a:fld id="{3881C039-66A3-4640-815B-3B5A8B7D868D}" type="datetimeFigureOut">
               <a:rPr lang="en-US" smtClean="0"/>
-              <a:t>2/15/2023</a:t>
+              <a:t>2/19/2023</a:t>
             </a:fld>
             <a:endParaRPr lang="en-US"/>
           </a:p>
@@ -1581,7 +1581,7 @@
           <a:p>
             <a:fld id="{3881C039-66A3-4640-815B-3B5A8B7D868D}" type="datetimeFigureOut">
               <a:rPr lang="en-US" smtClean="0"/>
-              <a:t>2/15/2023</a:t>
+              <a:t>2/19/2023</a:t>
             </a:fld>
             <a:endParaRPr lang="en-US"/>
           </a:p>
@@ -1910,7 +1910,7 @@
           <a:p>
             <a:fld id="{3881C039-66A3-4640-815B-3B5A8B7D868D}" type="datetimeFigureOut">
               <a:rPr lang="en-US" smtClean="0"/>
-              <a:t>2/15/2023</a:t>
+              <a:t>2/19/2023</a:t>
             </a:fld>
             <a:endParaRPr lang="en-US"/>
           </a:p>
@@ -2402,7 +2402,7 @@
           <a:p>
             <a:fld id="{3881C039-66A3-4640-815B-3B5A8B7D868D}" type="datetimeFigureOut">
               <a:rPr lang="en-US" smtClean="0"/>
-              <a:t>2/15/2023</a:t>
+              <a:t>2/19/2023</a:t>
             </a:fld>
             <a:endParaRPr lang="en-US"/>
           </a:p>
@@ -2561,7 +2561,7 @@
           <a:p>
             <a:fld id="{3881C039-66A3-4640-815B-3B5A8B7D868D}" type="datetimeFigureOut">
               <a:rPr lang="en-US" smtClean="0"/>
-              <a:t>2/15/2023</a:t>
+              <a:t>2/19/2023</a:t>
             </a:fld>
             <a:endParaRPr lang="en-US"/>
           </a:p>
@@ -2697,7 +2697,7 @@
           <a:p>
             <a:fld id="{3881C039-66A3-4640-815B-3B5A8B7D868D}" type="datetimeFigureOut">
               <a:rPr lang="en-US" smtClean="0"/>
-              <a:t>2/15/2023</a:t>
+              <a:t>2/19/2023</a:t>
             </a:fld>
             <a:endParaRPr lang="en-US"/>
           </a:p>
@@ -3025,7 +3025,7 @@
           <a:p>
             <a:fld id="{3881C039-66A3-4640-815B-3B5A8B7D868D}" type="datetimeFigureOut">
               <a:rPr lang="en-US" smtClean="0"/>
-              <a:t>2/15/2023</a:t>
+              <a:t>2/19/2023</a:t>
             </a:fld>
             <a:endParaRPr lang="en-US"/>
           </a:p>
@@ -3340,7 +3340,7 @@
           <a:p>
             <a:fld id="{3881C039-66A3-4640-815B-3B5A8B7D868D}" type="datetimeFigureOut">
               <a:rPr lang="en-US" smtClean="0"/>
-              <a:t>2/15/2023</a:t>
+              <a:t>2/19/2023</a:t>
             </a:fld>
             <a:endParaRPr lang="en-US"/>
           </a:p>
@@ -3592,7 +3592,7 @@
           <a:p>
             <a:fld id="{3881C039-66A3-4640-815B-3B5A8B7D868D}" type="datetimeFigureOut">
               <a:rPr lang="en-US" smtClean="0"/>
-              <a:t>2/15/2023</a:t>
+              <a:t>2/19/2023</a:t>
             </a:fld>
             <a:endParaRPr lang="en-US"/>
           </a:p>

--- a/Slides/Basketball 1/Basketball_1_Lecture.pptx
+++ b/Slides/Basketball 1/Basketball_1_Lecture.pptx
@@ -223,7 +223,7 @@
           <a:p>
             <a:fld id="{C04E5E84-956F-4423-97B3-5936A6D8EEEE}" type="datetimeFigureOut">
               <a:rPr lang="en-US" smtClean="0"/>
-              <a:t>2/19/2023</a:t>
+              <a:t>2/20/2023</a:t>
             </a:fld>
             <a:endParaRPr lang="en-US"/>
           </a:p>
@@ -684,7 +684,7 @@
           <a:p>
             <a:fld id="{3881C039-66A3-4640-815B-3B5A8B7D868D}" type="datetimeFigureOut">
               <a:rPr lang="en-US" smtClean="0"/>
-              <a:t>2/19/2023</a:t>
+              <a:t>2/20/2023</a:t>
             </a:fld>
             <a:endParaRPr lang="en-US"/>
           </a:p>
@@ -854,7 +854,7 @@
           <a:p>
             <a:fld id="{3881C039-66A3-4640-815B-3B5A8B7D868D}" type="datetimeFigureOut">
               <a:rPr lang="en-US" smtClean="0"/>
-              <a:t>2/19/2023</a:t>
+              <a:t>2/20/2023</a:t>
             </a:fld>
             <a:endParaRPr lang="en-US"/>
           </a:p>
@@ -1075,7 +1075,7 @@
           <a:p>
             <a:fld id="{3881C039-66A3-4640-815B-3B5A8B7D868D}" type="datetimeFigureOut">
               <a:rPr lang="en-US" smtClean="0"/>
-              <a:t>2/19/2023</a:t>
+              <a:t>2/20/2023</a:t>
             </a:fld>
             <a:endParaRPr lang="en-US"/>
           </a:p>
@@ -1286,7 +1286,7 @@
           <a:p>
             <a:fld id="{3881C039-66A3-4640-815B-3B5A8B7D868D}" type="datetimeFigureOut">
               <a:rPr lang="en-US" smtClean="0"/>
-              <a:t>2/19/2023</a:t>
+              <a:t>2/20/2023</a:t>
             </a:fld>
             <a:endParaRPr lang="en-US"/>
           </a:p>
@@ -1581,7 +1581,7 @@
           <a:p>
             <a:fld id="{3881C039-66A3-4640-815B-3B5A8B7D868D}" type="datetimeFigureOut">
               <a:rPr lang="en-US" smtClean="0"/>
-              <a:t>2/19/2023</a:t>
+              <a:t>2/20/2023</a:t>
             </a:fld>
             <a:endParaRPr lang="en-US"/>
           </a:p>
@@ -1910,7 +1910,7 @@
           <a:p>
             <a:fld id="{3881C039-66A3-4640-815B-3B5A8B7D868D}" type="datetimeFigureOut">
               <a:rPr lang="en-US" smtClean="0"/>
-              <a:t>2/19/2023</a:t>
+              <a:t>2/20/2023</a:t>
             </a:fld>
             <a:endParaRPr lang="en-US"/>
           </a:p>
@@ -2402,7 +2402,7 @@
           <a:p>
             <a:fld id="{3881C039-66A3-4640-815B-3B5A8B7D868D}" type="datetimeFigureOut">
               <a:rPr lang="en-US" smtClean="0"/>
-              <a:t>2/19/2023</a:t>
+              <a:t>2/20/2023</a:t>
             </a:fld>
             <a:endParaRPr lang="en-US"/>
           </a:p>
@@ -2561,7 +2561,7 @@
           <a:p>
             <a:fld id="{3881C039-66A3-4640-815B-3B5A8B7D868D}" type="datetimeFigureOut">
               <a:rPr lang="en-US" smtClean="0"/>
-              <a:t>2/19/2023</a:t>
+              <a:t>2/20/2023</a:t>
             </a:fld>
             <a:endParaRPr lang="en-US"/>
           </a:p>
@@ -2697,7 +2697,7 @@
           <a:p>
             <a:fld id="{3881C039-66A3-4640-815B-3B5A8B7D868D}" type="datetimeFigureOut">
               <a:rPr lang="en-US" smtClean="0"/>
-              <a:t>2/19/2023</a:t>
+              <a:t>2/20/2023</a:t>
             </a:fld>
             <a:endParaRPr lang="en-US"/>
           </a:p>
@@ -3025,7 +3025,7 @@
           <a:p>
             <a:fld id="{3881C039-66A3-4640-815B-3B5A8B7D868D}" type="datetimeFigureOut">
               <a:rPr lang="en-US" smtClean="0"/>
-              <a:t>2/19/2023</a:t>
+              <a:t>2/20/2023</a:t>
             </a:fld>
             <a:endParaRPr lang="en-US"/>
           </a:p>
@@ -3340,7 +3340,7 @@
           <a:p>
             <a:fld id="{3881C039-66A3-4640-815B-3B5A8B7D868D}" type="datetimeFigureOut">
               <a:rPr lang="en-US" smtClean="0"/>
-              <a:t>2/19/2023</a:t>
+              <a:t>2/20/2023</a:t>
             </a:fld>
             <a:endParaRPr lang="en-US"/>
           </a:p>
@@ -3592,7 +3592,7 @@
           <a:p>
             <a:fld id="{3881C039-66A3-4640-815B-3B5A8B7D868D}" type="datetimeFigureOut">
               <a:rPr lang="en-US" smtClean="0"/>
-              <a:t>2/19/2023</a:t>
+              <a:t>2/20/2023</a:t>
             </a:fld>
             <a:endParaRPr lang="en-US"/>
           </a:p>
@@ -11427,13 +11427,22 @@
               <a:buSzPct val="100000"/>
             </a:pPr>
             <a:r>
+              <a:rPr lang="en-US" sz="2000">
+                <a:solidFill>
+                  <a:schemeClr val="bg1"/>
+                </a:solidFill>
+                <a:latin typeface="Selawik Semibold" panose="020B0702040204020203" pitchFamily="34" charset="0"/>
+              </a:rPr>
+              <a:t>Three-Point </a:t>
+            </a:r>
+            <a:r>
               <a:rPr lang="en-US" sz="2000" dirty="0">
                 <a:solidFill>
                   <a:schemeClr val="bg1"/>
                 </a:solidFill>
                 <a:latin typeface="Selawik Semibold" panose="020B0702040204020203" pitchFamily="34" charset="0"/>
               </a:rPr>
-              <a:t>Three- Point Field Goals</a:t>
+              <a:t>Field Goals</a:t>
             </a:r>
           </a:p>
           <a:p>

--- a/Slides/Basketball 1/Basketball_1_Lecture.pptx
+++ b/Slides/Basketball 1/Basketball_1_Lecture.pptx
@@ -223,7 +223,7 @@
           <a:p>
             <a:fld id="{C04E5E84-956F-4423-97B3-5936A6D8EEEE}" type="datetimeFigureOut">
               <a:rPr lang="en-US" smtClean="0"/>
-              <a:t>2/20/2023</a:t>
+              <a:t>2/28/2024</a:t>
             </a:fld>
             <a:endParaRPr lang="en-US"/>
           </a:p>
@@ -684,7 +684,7 @@
           <a:p>
             <a:fld id="{3881C039-66A3-4640-815B-3B5A8B7D868D}" type="datetimeFigureOut">
               <a:rPr lang="en-US" smtClean="0"/>
-              <a:t>2/20/2023</a:t>
+              <a:t>2/28/2024</a:t>
             </a:fld>
             <a:endParaRPr lang="en-US"/>
           </a:p>
@@ -854,7 +854,7 @@
           <a:p>
             <a:fld id="{3881C039-66A3-4640-815B-3B5A8B7D868D}" type="datetimeFigureOut">
               <a:rPr lang="en-US" smtClean="0"/>
-              <a:t>2/20/2023</a:t>
+              <a:t>2/28/2024</a:t>
             </a:fld>
             <a:endParaRPr lang="en-US"/>
           </a:p>
@@ -1075,7 +1075,7 @@
           <a:p>
             <a:fld id="{3881C039-66A3-4640-815B-3B5A8B7D868D}" type="datetimeFigureOut">
               <a:rPr lang="en-US" smtClean="0"/>
-              <a:t>2/20/2023</a:t>
+              <a:t>2/28/2024</a:t>
             </a:fld>
             <a:endParaRPr lang="en-US"/>
           </a:p>
@@ -1286,7 +1286,7 @@
           <a:p>
             <a:fld id="{3881C039-66A3-4640-815B-3B5A8B7D868D}" type="datetimeFigureOut">
               <a:rPr lang="en-US" smtClean="0"/>
-              <a:t>2/20/2023</a:t>
+              <a:t>2/28/2024</a:t>
             </a:fld>
             <a:endParaRPr lang="en-US"/>
           </a:p>
@@ -1581,7 +1581,7 @@
           <a:p>
             <a:fld id="{3881C039-66A3-4640-815B-3B5A8B7D868D}" type="datetimeFigureOut">
               <a:rPr lang="en-US" smtClean="0"/>
-              <a:t>2/20/2023</a:t>
+              <a:t>2/28/2024</a:t>
             </a:fld>
             <a:endParaRPr lang="en-US"/>
           </a:p>
@@ -1910,7 +1910,7 @@
           <a:p>
             <a:fld id="{3881C039-66A3-4640-815B-3B5A8B7D868D}" type="datetimeFigureOut">
               <a:rPr lang="en-US" smtClean="0"/>
-              <a:t>2/20/2023</a:t>
+              <a:t>2/28/2024</a:t>
             </a:fld>
             <a:endParaRPr lang="en-US"/>
           </a:p>
@@ -2402,7 +2402,7 @@
           <a:p>
             <a:fld id="{3881C039-66A3-4640-815B-3B5A8B7D868D}" type="datetimeFigureOut">
               <a:rPr lang="en-US" smtClean="0"/>
-              <a:t>2/20/2023</a:t>
+              <a:t>2/28/2024</a:t>
             </a:fld>
             <a:endParaRPr lang="en-US"/>
           </a:p>
@@ -2561,7 +2561,7 @@
           <a:p>
             <a:fld id="{3881C039-66A3-4640-815B-3B5A8B7D868D}" type="datetimeFigureOut">
               <a:rPr lang="en-US" smtClean="0"/>
-              <a:t>2/20/2023</a:t>
+              <a:t>2/28/2024</a:t>
             </a:fld>
             <a:endParaRPr lang="en-US"/>
           </a:p>
@@ -2697,7 +2697,7 @@
           <a:p>
             <a:fld id="{3881C039-66A3-4640-815B-3B5A8B7D868D}" type="datetimeFigureOut">
               <a:rPr lang="en-US" smtClean="0"/>
-              <a:t>2/20/2023</a:t>
+              <a:t>2/28/2024</a:t>
             </a:fld>
             <a:endParaRPr lang="en-US"/>
           </a:p>
@@ -3025,7 +3025,7 @@
           <a:p>
             <a:fld id="{3881C039-66A3-4640-815B-3B5A8B7D868D}" type="datetimeFigureOut">
               <a:rPr lang="en-US" smtClean="0"/>
-              <a:t>2/20/2023</a:t>
+              <a:t>2/28/2024</a:t>
             </a:fld>
             <a:endParaRPr lang="en-US"/>
           </a:p>
@@ -3340,7 +3340,7 @@
           <a:p>
             <a:fld id="{3881C039-66A3-4640-815B-3B5A8B7D868D}" type="datetimeFigureOut">
               <a:rPr lang="en-US" smtClean="0"/>
-              <a:t>2/20/2023</a:t>
+              <a:t>2/28/2024</a:t>
             </a:fld>
             <a:endParaRPr lang="en-US"/>
           </a:p>
@@ -3592,7 +3592,7 @@
           <a:p>
             <a:fld id="{3881C039-66A3-4640-815B-3B5A8B7D868D}" type="datetimeFigureOut">
               <a:rPr lang="en-US" smtClean="0"/>
-              <a:t>2/20/2023</a:t>
+              <a:t>2/28/2024</a:t>
             </a:fld>
             <a:endParaRPr lang="en-US"/>
           </a:p>
@@ -18900,7 +18900,7 @@
                 </a:solidFill>
                 <a:latin typeface="Selawik Semibold" panose="020B0702040204020203" pitchFamily="34" charset="0"/>
               </a:rPr>
-              <a:t>Highest Correlation</a:t>
+              <a:t>Strongest Correlations</a:t>
             </a:r>
           </a:p>
           <a:p>

--- a/Slides/Basketball 1/Basketball_1_Lecture.pptx
+++ b/Slides/Basketball 1/Basketball_1_Lecture.pptx
@@ -223,7 +223,7 @@
           <a:p>
             <a:fld id="{C04E5E84-956F-4423-97B3-5936A6D8EEEE}" type="datetimeFigureOut">
               <a:rPr lang="en-US" smtClean="0"/>
-              <a:t>2/28/2024</a:t>
+              <a:t>2/29/2024</a:t>
             </a:fld>
             <a:endParaRPr lang="en-US"/>
           </a:p>
@@ -684,7 +684,7 @@
           <a:p>
             <a:fld id="{3881C039-66A3-4640-815B-3B5A8B7D868D}" type="datetimeFigureOut">
               <a:rPr lang="en-US" smtClean="0"/>
-              <a:t>2/28/2024</a:t>
+              <a:t>2/29/2024</a:t>
             </a:fld>
             <a:endParaRPr lang="en-US"/>
           </a:p>
@@ -854,7 +854,7 @@
           <a:p>
             <a:fld id="{3881C039-66A3-4640-815B-3B5A8B7D868D}" type="datetimeFigureOut">
               <a:rPr lang="en-US" smtClean="0"/>
-              <a:t>2/28/2024</a:t>
+              <a:t>2/29/2024</a:t>
             </a:fld>
             <a:endParaRPr lang="en-US"/>
           </a:p>
@@ -1075,7 +1075,7 @@
           <a:p>
             <a:fld id="{3881C039-66A3-4640-815B-3B5A8B7D868D}" type="datetimeFigureOut">
               <a:rPr lang="en-US" smtClean="0"/>
-              <a:t>2/28/2024</a:t>
+              <a:t>2/29/2024</a:t>
             </a:fld>
             <a:endParaRPr lang="en-US"/>
           </a:p>
@@ -1286,7 +1286,7 @@
           <a:p>
             <a:fld id="{3881C039-66A3-4640-815B-3B5A8B7D868D}" type="datetimeFigureOut">
               <a:rPr lang="en-US" smtClean="0"/>
-              <a:t>2/28/2024</a:t>
+              <a:t>2/29/2024</a:t>
             </a:fld>
             <a:endParaRPr lang="en-US"/>
           </a:p>
@@ -1581,7 +1581,7 @@
           <a:p>
             <a:fld id="{3881C039-66A3-4640-815B-3B5A8B7D868D}" type="datetimeFigureOut">
               <a:rPr lang="en-US" smtClean="0"/>
-              <a:t>2/28/2024</a:t>
+              <a:t>2/29/2024</a:t>
             </a:fld>
             <a:endParaRPr lang="en-US"/>
           </a:p>
@@ -1910,7 +1910,7 @@
           <a:p>
             <a:fld id="{3881C039-66A3-4640-815B-3B5A8B7D868D}" type="datetimeFigureOut">
               <a:rPr lang="en-US" smtClean="0"/>
-              <a:t>2/28/2024</a:t>
+              <a:t>2/29/2024</a:t>
             </a:fld>
             <a:endParaRPr lang="en-US"/>
           </a:p>
@@ -2402,7 +2402,7 @@
           <a:p>
             <a:fld id="{3881C039-66A3-4640-815B-3B5A8B7D868D}" type="datetimeFigureOut">
               <a:rPr lang="en-US" smtClean="0"/>
-              <a:t>2/28/2024</a:t>
+              <a:t>2/29/2024</a:t>
             </a:fld>
             <a:endParaRPr lang="en-US"/>
           </a:p>
@@ -2561,7 +2561,7 @@
           <a:p>
             <a:fld id="{3881C039-66A3-4640-815B-3B5A8B7D868D}" type="datetimeFigureOut">
               <a:rPr lang="en-US" smtClean="0"/>
-              <a:t>2/28/2024</a:t>
+              <a:t>2/29/2024</a:t>
             </a:fld>
             <a:endParaRPr lang="en-US"/>
           </a:p>
@@ -2697,7 +2697,7 @@
           <a:p>
             <a:fld id="{3881C039-66A3-4640-815B-3B5A8B7D868D}" type="datetimeFigureOut">
               <a:rPr lang="en-US" smtClean="0"/>
-              <a:t>2/28/2024</a:t>
+              <a:t>2/29/2024</a:t>
             </a:fld>
             <a:endParaRPr lang="en-US"/>
           </a:p>
@@ -3025,7 +3025,7 @@
           <a:p>
             <a:fld id="{3881C039-66A3-4640-815B-3B5A8B7D868D}" type="datetimeFigureOut">
               <a:rPr lang="en-US" smtClean="0"/>
-              <a:t>2/28/2024</a:t>
+              <a:t>2/29/2024</a:t>
             </a:fld>
             <a:endParaRPr lang="en-US"/>
           </a:p>
@@ -3340,7 +3340,7 @@
           <a:p>
             <a:fld id="{3881C039-66A3-4640-815B-3B5A8B7D868D}" type="datetimeFigureOut">
               <a:rPr lang="en-US" smtClean="0"/>
-              <a:t>2/28/2024</a:t>
+              <a:t>2/29/2024</a:t>
             </a:fld>
             <a:endParaRPr lang="en-US"/>
           </a:p>
@@ -3592,7 +3592,7 @@
           <a:p>
             <a:fld id="{3881C039-66A3-4640-815B-3B5A8B7D868D}" type="datetimeFigureOut">
               <a:rPr lang="en-US" smtClean="0"/>
-              <a:t>2/28/2024</a:t>
+              <a:t>2/29/2024</a:t>
             </a:fld>
             <a:endParaRPr lang="en-US"/>
           </a:p>

--- a/Slides/Basketball 1/Basketball_1_Lecture.pptx
+++ b/Slides/Basketball 1/Basketball_1_Lecture.pptx
@@ -223,7 +223,7 @@
           <a:p>
             <a:fld id="{C04E5E84-956F-4423-97B3-5936A6D8EEEE}" type="datetimeFigureOut">
               <a:rPr lang="en-US" smtClean="0"/>
-              <a:t>2/29/2024</a:t>
+              <a:t>10/14/2025</a:t>
             </a:fld>
             <a:endParaRPr lang="en-US"/>
           </a:p>
@@ -666,6 +666,13 @@
             <a:schemeClr val="lt1"/>
           </a:fontRef>
         </p:style>
+        <p:txBody>
+          <a:bodyPr/>
+          <a:lstStyle/>
+          <a:p>
+            <a:endParaRPr lang="en-US"/>
+          </a:p>
+        </p:txBody>
       </p:sp>
       <p:sp>
         <p:nvSpPr>
@@ -684,7 +691,7 @@
           <a:p>
             <a:fld id="{3881C039-66A3-4640-815B-3B5A8B7D868D}" type="datetimeFigureOut">
               <a:rPr lang="en-US" smtClean="0"/>
-              <a:t>2/29/2024</a:t>
+              <a:t>10/14/2025</a:t>
             </a:fld>
             <a:endParaRPr lang="en-US"/>
           </a:p>
@@ -854,7 +861,7 @@
           <a:p>
             <a:fld id="{3881C039-66A3-4640-815B-3B5A8B7D868D}" type="datetimeFigureOut">
               <a:rPr lang="en-US" smtClean="0"/>
-              <a:t>2/29/2024</a:t>
+              <a:t>10/14/2025</a:t>
             </a:fld>
             <a:endParaRPr lang="en-US"/>
           </a:p>
@@ -1075,7 +1082,7 @@
           <a:p>
             <a:fld id="{3881C039-66A3-4640-815B-3B5A8B7D868D}" type="datetimeFigureOut">
               <a:rPr lang="en-US" smtClean="0"/>
-              <a:t>2/29/2024</a:t>
+              <a:t>10/14/2025</a:t>
             </a:fld>
             <a:endParaRPr lang="en-US"/>
           </a:p>
@@ -1286,7 +1293,7 @@
           <a:p>
             <a:fld id="{3881C039-66A3-4640-815B-3B5A8B7D868D}" type="datetimeFigureOut">
               <a:rPr lang="en-US" smtClean="0"/>
-              <a:t>2/29/2024</a:t>
+              <a:t>10/14/2025</a:t>
             </a:fld>
             <a:endParaRPr lang="en-US"/>
           </a:p>
@@ -1581,7 +1588,7 @@
           <a:p>
             <a:fld id="{3881C039-66A3-4640-815B-3B5A8B7D868D}" type="datetimeFigureOut">
               <a:rPr lang="en-US" smtClean="0"/>
-              <a:t>2/29/2024</a:t>
+              <a:t>10/14/2025</a:t>
             </a:fld>
             <a:endParaRPr lang="en-US"/>
           </a:p>
@@ -1910,7 +1917,7 @@
           <a:p>
             <a:fld id="{3881C039-66A3-4640-815B-3B5A8B7D868D}" type="datetimeFigureOut">
               <a:rPr lang="en-US" smtClean="0"/>
-              <a:t>2/29/2024</a:t>
+              <a:t>10/14/2025</a:t>
             </a:fld>
             <a:endParaRPr lang="en-US"/>
           </a:p>
@@ -2402,7 +2409,7 @@
           <a:p>
             <a:fld id="{3881C039-66A3-4640-815B-3B5A8B7D868D}" type="datetimeFigureOut">
               <a:rPr lang="en-US" smtClean="0"/>
-              <a:t>2/29/2024</a:t>
+              <a:t>10/14/2025</a:t>
             </a:fld>
             <a:endParaRPr lang="en-US"/>
           </a:p>
@@ -2561,7 +2568,7 @@
           <a:p>
             <a:fld id="{3881C039-66A3-4640-815B-3B5A8B7D868D}" type="datetimeFigureOut">
               <a:rPr lang="en-US" smtClean="0"/>
-              <a:t>2/29/2024</a:t>
+              <a:t>10/14/2025</a:t>
             </a:fld>
             <a:endParaRPr lang="en-US"/>
           </a:p>
@@ -2697,7 +2704,7 @@
           <a:p>
             <a:fld id="{3881C039-66A3-4640-815B-3B5A8B7D868D}" type="datetimeFigureOut">
               <a:rPr lang="en-US" smtClean="0"/>
-              <a:t>2/29/2024</a:t>
+              <a:t>10/14/2025</a:t>
             </a:fld>
             <a:endParaRPr lang="en-US"/>
           </a:p>
@@ -3025,7 +3032,7 @@
           <a:p>
             <a:fld id="{3881C039-66A3-4640-815B-3B5A8B7D868D}" type="datetimeFigureOut">
               <a:rPr lang="en-US" smtClean="0"/>
-              <a:t>2/29/2024</a:t>
+              <a:t>10/14/2025</a:t>
             </a:fld>
             <a:endParaRPr lang="en-US"/>
           </a:p>
@@ -3340,7 +3347,7 @@
           <a:p>
             <a:fld id="{3881C039-66A3-4640-815B-3B5A8B7D868D}" type="datetimeFigureOut">
               <a:rPr lang="en-US" smtClean="0"/>
-              <a:t>2/29/2024</a:t>
+              <a:t>10/14/2025</a:t>
             </a:fld>
             <a:endParaRPr lang="en-US"/>
           </a:p>
@@ -3460,6 +3467,13 @@
             <a:schemeClr val="lt1"/>
           </a:fontRef>
         </p:style>
+        <p:txBody>
+          <a:bodyPr/>
+          <a:lstStyle/>
+          <a:p>
+            <a:endParaRPr lang="en-US"/>
+          </a:p>
+        </p:txBody>
       </p:sp>
       <p:sp>
         <p:nvSpPr>
@@ -3592,7 +3606,7 @@
           <a:p>
             <a:fld id="{3881C039-66A3-4640-815B-3B5A8B7D868D}" type="datetimeFigureOut">
               <a:rPr lang="en-US" smtClean="0"/>
-              <a:t>2/29/2024</a:t>
+              <a:t>10/14/2025</a:t>
             </a:fld>
             <a:endParaRPr lang="en-US"/>
           </a:p>
